--- a/document/展示/FishTouchers小组第三次汇报.pptx
+++ b/document/展示/FishTouchers小组第三次汇报.pptx
@@ -300,7 +300,7 @@
           <a:p>
             <a:fld id="{E9630DBF-D010-4114-9DE3-41E342A27C18}" type="datetimeFigureOut">
               <a:rPr lang="zh-CN" altLang="en-US" smtClean="0"/>
-              <a:t>2019/9/6</a:t>
+              <a:t>2019/9/9</a:t>
             </a:fld>
             <a:endParaRPr lang="zh-CN" altLang="en-US"/>
           </a:p>
@@ -474,7 +474,7 @@
               <a:pPr>
                 <a:defRPr/>
               </a:pPr>
-              <a:t>2019/9/6</a:t>
+              <a:t>2019/9/9</a:t>
             </a:fld>
             <a:endParaRPr lang="zh-CN" altLang="en-US"/>
           </a:p>
@@ -3565,7 +3565,7 @@
           <a:p>
             <a:fld id="{32BF82D2-7A68-459D-A996-9BDDA2518FA4}" type="datetimeFigureOut">
               <a:rPr lang="zh-CN" altLang="en-US" smtClean="0"/>
-              <a:t>2019/9/6</a:t>
+              <a:t>2019/9/9</a:t>
             </a:fld>
             <a:endParaRPr lang="zh-CN" altLang="en-US"/>
           </a:p>
@@ -3840,7 +3840,7 @@
           <a:p>
             <a:fld id="{760FBDFE-C587-4B4C-A407-44438C67B59E}" type="datetimeFigureOut">
               <a:rPr lang="zh-CN" altLang="en-US" smtClean="0"/>
-              <a:t>2019/9/6</a:t>
+              <a:t>2019/9/9</a:t>
             </a:fld>
             <a:endParaRPr lang="zh-CN" altLang="en-US"/>
           </a:p>
@@ -4053,7 +4053,7 @@
           <a:p>
             <a:fld id="{32BF82D2-7A68-459D-A996-9BDDA2518FA4}" type="datetimeFigureOut">
               <a:rPr lang="zh-CN" altLang="en-US" smtClean="0"/>
-              <a:t>2019/9/6</a:t>
+              <a:t>2019/9/9</a:t>
             </a:fld>
             <a:endParaRPr lang="zh-CN" altLang="en-US"/>
           </a:p>
@@ -4690,22 +4690,13 @@
               <a:buNone/>
             </a:pPr>
             <a:r>
-              <a:rPr lang="zh-CN" altLang="en-US" sz="2400" dirty="0" smtClean="0">
+              <a:rPr lang="zh-CN" altLang="en-US" sz="2400" dirty="0">
                 <a:solidFill>
                   <a:schemeClr val="bg1"/>
                 </a:solidFill>
                 <a:cs typeface="Arial" panose="020B0604020202020204" pitchFamily="34" charset="0"/>
               </a:rPr>
-              <a:t>第三次</a:t>
-            </a:r>
-            <a:r>
-              <a:rPr lang="zh-CN" altLang="en-US" sz="2400" dirty="0">
-                <a:solidFill>
-                  <a:schemeClr val="bg1"/>
-                </a:solidFill>
-                <a:cs typeface="Arial" panose="020B0604020202020204" pitchFamily="34" charset="0"/>
-              </a:rPr>
-              <a:t>汇报</a:t>
+              <a:t>第三次汇报</a:t>
             </a:r>
           </a:p>
         </p:txBody>
@@ -5099,7 +5090,7 @@
                 </a:solidFill>
                 <a:cs typeface="Arial" panose="020B0604020202020204" pitchFamily="34" charset="0"/>
               </a:rPr>
-              <a:t>高效科研实验室网站的设计与实现</a:t>
+              <a:t>高校科研实验室网站的设计与实现</a:t>
             </a:r>
           </a:p>
         </p:txBody>
@@ -5661,20 +5652,12 @@
               </a:lnSpc>
             </a:pPr>
             <a:r>
-              <a:rPr lang="zh-CN" altLang="en-US" sz="1800" dirty="0" smtClean="0">
-                <a:latin typeface="Arial" panose="020B0604020202020204" pitchFamily="34" charset="0"/>
-                <a:ea typeface="微软雅黑" panose="020B0503020204020204" pitchFamily="34" charset="-122"/>
-                <a:sym typeface="Arial" panose="020B0604020202020204" pitchFamily="34" charset="0"/>
-              </a:rPr>
-              <a:t>当前</a:t>
-            </a:r>
-            <a:r>
               <a:rPr lang="zh-CN" altLang="en-US" sz="1800" dirty="0">
                 <a:latin typeface="Arial" panose="020B0604020202020204" pitchFamily="34" charset="0"/>
                 <a:ea typeface="微软雅黑" panose="020B0503020204020204" pitchFamily="34" charset="-122"/>
                 <a:sym typeface="Arial" panose="020B0604020202020204" pitchFamily="34" charset="0"/>
               </a:rPr>
-              <a:t>阶段已完成设管理员模块，和用户管理模块的大部分内容。</a:t>
+              <a:t>当前阶段已完成设管理员模块，和用户管理模块的大部分内容。</a:t>
             </a:r>
           </a:p>
           <a:p>
@@ -5699,20 +5682,12 @@
               </a:lnSpc>
             </a:pPr>
             <a:r>
-              <a:rPr lang="zh-CN" altLang="en-US" sz="1800" dirty="0" smtClean="0">
-                <a:latin typeface="Arial" panose="020B0604020202020204" pitchFamily="34" charset="0"/>
-                <a:ea typeface="微软雅黑" panose="020B0503020204020204" pitchFamily="34" charset="-122"/>
-                <a:sym typeface="Arial" panose="020B0604020202020204" pitchFamily="34" charset="0"/>
-              </a:rPr>
-              <a:t>下</a:t>
-            </a:r>
-            <a:r>
               <a:rPr lang="zh-CN" altLang="en-US" sz="1800" dirty="0">
                 <a:latin typeface="Arial" panose="020B0604020202020204" pitchFamily="34" charset="0"/>
                 <a:ea typeface="微软雅黑" panose="020B0503020204020204" pitchFamily="34" charset="-122"/>
                 <a:sym typeface="Arial" panose="020B0604020202020204" pitchFamily="34" charset="0"/>
               </a:rPr>
-              <a:t>一阶段将完成信息展示模块，剩余的用户管理模块和功能模块。</a:t>
+              <a:t>下一阶段将完成信息展示模块，剩余的用户管理模块和功能模块。</a:t>
             </a:r>
           </a:p>
         </p:txBody>
@@ -5740,7 +5715,7 @@
           <a:lstStyle/>
           <a:p>
             <a:r>
-              <a:rPr lang="zh-CN" altLang="en-US" sz="2400" dirty="0" smtClean="0">
+              <a:rPr lang="zh-CN" altLang="en-US" sz="2400" dirty="0">
                 <a:latin typeface="Arial" panose="020B0604020202020204" pitchFamily="34" charset="0"/>
                 <a:ea typeface="微软雅黑" panose="020B0503020204020204" pitchFamily="34" charset="-122"/>
               </a:rPr>
@@ -5766,13 +5741,6 @@
   <p:transition spd="med">
     <p:pull/>
   </p:transition>
-  <p:timing>
-    <p:tnLst>
-      <p:par>
-        <p:cTn id="1" dur="indefinite" restart="never" nodeType="tmRoot"/>
-      </p:par>
-    </p:tnLst>
-  </p:timing>
 </p:sld>
 </file>
 
@@ -6059,7 +6027,7 @@
           <a:lstStyle/>
           <a:p>
             <a:r>
-              <a:rPr lang="zh-CN" altLang="en-US" sz="2400" dirty="0" smtClean="0">
+              <a:rPr lang="zh-CN" altLang="en-US" sz="2400" dirty="0">
                 <a:latin typeface="Arial" panose="020B0604020202020204" pitchFamily="34" charset="0"/>
                 <a:ea typeface="微软雅黑" panose="020B0503020204020204" pitchFamily="34" charset="-122"/>
               </a:rPr>
@@ -6085,13 +6053,6 @@
   <p:transition spd="med">
     <p:pull/>
   </p:transition>
-  <p:timing>
-    <p:tnLst>
-      <p:par>
-        <p:cTn id="1" dur="indefinite" restart="never" nodeType="tmRoot"/>
-      </p:par>
-    </p:tnLst>
-  </p:timing>
 </p:sld>
 </file>
 
@@ -6315,20 +6276,12 @@
               </a:lnSpc>
             </a:pPr>
             <a:r>
-              <a:rPr lang="zh-CN" altLang="en-US" sz="1800" dirty="0" smtClean="0">
-                <a:latin typeface="Arial" panose="020B0604020202020204" pitchFamily="34" charset="0"/>
-                <a:ea typeface="微软雅黑" panose="020B0503020204020204" pitchFamily="34" charset="-122"/>
-                <a:sym typeface="Arial" panose="020B0604020202020204" pitchFamily="34" charset="0"/>
-              </a:rPr>
-              <a:t>已</a:t>
-            </a:r>
-            <a:r>
               <a:rPr lang="zh-CN" altLang="en-US" sz="1800" dirty="0">
                 <a:latin typeface="Arial" panose="020B0604020202020204" pitchFamily="34" charset="0"/>
                 <a:ea typeface="微软雅黑" panose="020B0503020204020204" pitchFamily="34" charset="-122"/>
                 <a:sym typeface="Arial" panose="020B0604020202020204" pitchFamily="34" charset="0"/>
               </a:rPr>
-              <a:t>完成需求规格说明书、概要设计说明书、详细设计说明书、数据库设计文档。</a:t>
+              <a:t>已完成需求规格说明书、概要设计说明书、详细设计说明书、数据库设计文档。</a:t>
             </a:r>
           </a:p>
           <a:p>
@@ -6353,20 +6306,12 @@
               </a:lnSpc>
             </a:pPr>
             <a:r>
-              <a:rPr lang="zh-CN" altLang="en-US" sz="1800" dirty="0" smtClean="0">
-                <a:latin typeface="Arial" panose="020B0604020202020204" pitchFamily="34" charset="0"/>
-                <a:ea typeface="微软雅黑" panose="020B0503020204020204" pitchFamily="34" charset="-122"/>
-                <a:sym typeface="Arial" panose="020B0604020202020204" pitchFamily="34" charset="0"/>
-              </a:rPr>
-              <a:t>完成</a:t>
-            </a:r>
-            <a:r>
               <a:rPr lang="zh-CN" altLang="en-US" sz="1800" dirty="0">
                 <a:latin typeface="Arial" panose="020B0604020202020204" pitchFamily="34" charset="0"/>
                 <a:ea typeface="微软雅黑" panose="020B0503020204020204" pitchFamily="34" charset="-122"/>
                 <a:sym typeface="Arial" panose="020B0604020202020204" pitchFamily="34" charset="0"/>
               </a:rPr>
-              <a:t>界面设计文档和用户操作手册。</a:t>
+              <a:t>完成界面设计文档和用户操作手册。</a:t>
             </a:r>
           </a:p>
         </p:txBody>
@@ -6394,7 +6339,7 @@
           <a:lstStyle/>
           <a:p>
             <a:r>
-              <a:rPr lang="zh-CN" altLang="en-US" sz="2400" dirty="0" smtClean="0">
+              <a:rPr lang="zh-CN" altLang="en-US" sz="2400" dirty="0">
                 <a:latin typeface="Arial" panose="020B0604020202020204" pitchFamily="34" charset="0"/>
                 <a:ea typeface="微软雅黑" panose="020B0503020204020204" pitchFamily="34" charset="-122"/>
               </a:rPr>
@@ -6420,13 +6365,6 @@
   <p:transition spd="med">
     <p:pull/>
   </p:transition>
-  <p:timing>
-    <p:tnLst>
-      <p:par>
-        <p:cTn id="1" dur="indefinite" restart="never" nodeType="tmRoot"/>
-      </p:par>
-    </p:tnLst>
-  </p:timing>
 </p:sld>
 </file>
 
@@ -6650,20 +6588,12 @@
               </a:lnSpc>
             </a:pPr>
             <a:r>
-              <a:rPr lang="zh-CN" altLang="en-US" sz="1800" dirty="0" smtClean="0">
-                <a:latin typeface="Arial" panose="020B0604020202020204" pitchFamily="34" charset="0"/>
-                <a:ea typeface="微软雅黑" panose="020B0503020204020204" pitchFamily="34" charset="-122"/>
-                <a:sym typeface="Arial" panose="020B0604020202020204" pitchFamily="34" charset="0"/>
-              </a:rPr>
-              <a:t>根据</a:t>
-            </a:r>
-            <a:r>
               <a:rPr lang="zh-CN" altLang="en-US" sz="1800" dirty="0">
                 <a:latin typeface="Arial" panose="020B0604020202020204" pitchFamily="34" charset="0"/>
                 <a:ea typeface="微软雅黑" panose="020B0503020204020204" pitchFamily="34" charset="-122"/>
                 <a:sym typeface="Arial" panose="020B0604020202020204" pitchFamily="34" charset="0"/>
               </a:rPr>
-              <a:t>老师给出的资金说明，修改小组资金预算，将各款项明确分类，总预算限制在</a:t>
+              <a:t>根据老师给出的资金说明，修改小组资金预算，将各款项明确分类，总预算限制在</a:t>
             </a:r>
             <a:r>
               <a:rPr lang="en-US" altLang="zh-CN" sz="1800" dirty="0">
@@ -6679,21 +6609,8 @@
                 <a:ea typeface="微软雅黑" panose="020B0503020204020204" pitchFamily="34" charset="-122"/>
                 <a:sym typeface="Arial" panose="020B0604020202020204" pitchFamily="34" charset="0"/>
               </a:rPr>
-              <a:t>万以内，并给每个款项设定经办人和审批</a:t>
-            </a:r>
-            <a:r>
-              <a:rPr lang="zh-CN" altLang="en-US" sz="1800" dirty="0" smtClean="0">
-                <a:latin typeface="Arial" panose="020B0604020202020204" pitchFamily="34" charset="0"/>
-                <a:ea typeface="微软雅黑" panose="020B0503020204020204" pitchFamily="34" charset="-122"/>
-                <a:sym typeface="Arial" panose="020B0604020202020204" pitchFamily="34" charset="0"/>
-              </a:rPr>
-              <a:t>人；</a:t>
-            </a:r>
-            <a:endParaRPr lang="zh-CN" altLang="en-US" sz="1800" dirty="0">
-              <a:latin typeface="Arial" panose="020B0604020202020204" pitchFamily="34" charset="0"/>
-              <a:ea typeface="微软雅黑" panose="020B0503020204020204" pitchFamily="34" charset="-122"/>
-              <a:sym typeface="Arial" panose="020B0604020202020204" pitchFamily="34" charset="0"/>
-            </a:endParaRPr>
+              <a:t>万以内，并给每个款项设定经办人和审批人；</a:t>
+            </a:r>
           </a:p>
           <a:p>
             <a:pPr indent="457200">
@@ -6702,20 +6619,12 @@
               </a:lnSpc>
             </a:pPr>
             <a:r>
-              <a:rPr lang="zh-CN" altLang="en-US" sz="1800" dirty="0" smtClean="0">
-                <a:latin typeface="Arial" panose="020B0604020202020204" pitchFamily="34" charset="0"/>
-                <a:ea typeface="微软雅黑" panose="020B0503020204020204" pitchFamily="34" charset="-122"/>
-                <a:sym typeface="Arial" panose="020B0604020202020204" pitchFamily="34" charset="0"/>
-              </a:rPr>
-              <a:t>设立</a:t>
-            </a:r>
-            <a:r>
               <a:rPr lang="zh-CN" altLang="en-US" sz="1800" dirty="0">
                 <a:latin typeface="Arial" panose="020B0604020202020204" pitchFamily="34" charset="0"/>
                 <a:ea typeface="微软雅黑" panose="020B0503020204020204" pitchFamily="34" charset="-122"/>
                 <a:sym typeface="Arial" panose="020B0604020202020204" pitchFamily="34" charset="0"/>
               </a:rPr>
-              <a:t>财务执行流程中的标准规范，并形成文档归入配置管理中。组员如需申请资金，或修改预算，都必须按照流程要求进行审批。</a:t>
+              <a:t>设立财务执行流程中的标准规范，并形成文档归入配置管理中。组员如需申请资金，或修改预算，都必须按照流程要求进行审批。</a:t>
             </a:r>
           </a:p>
           <a:p>
@@ -6740,34 +6649,13 @@
               </a:lnSpc>
             </a:pPr>
             <a:r>
-              <a:rPr lang="zh-CN" altLang="en-US" sz="1800" dirty="0" smtClean="0">
-                <a:latin typeface="Arial" panose="020B0604020202020204" pitchFamily="34" charset="0"/>
-                <a:ea typeface="微软雅黑" panose="020B0503020204020204" pitchFamily="34" charset="-122"/>
-                <a:sym typeface="Arial" panose="020B0604020202020204" pitchFamily="34" charset="0"/>
-              </a:rPr>
-              <a:t>将</a:t>
-            </a:r>
-            <a:r>
               <a:rPr lang="zh-CN" altLang="en-US" sz="1800" dirty="0">
                 <a:latin typeface="Arial" panose="020B0604020202020204" pitchFamily="34" charset="0"/>
                 <a:ea typeface="微软雅黑" panose="020B0503020204020204" pitchFamily="34" charset="-122"/>
                 <a:sym typeface="Arial" panose="020B0604020202020204" pitchFamily="34" charset="0"/>
               </a:rPr>
-              <a:t>预算和流程规定中描述不清晰的部分进行修改</a:t>
-            </a:r>
-            <a:r>
-              <a:rPr lang="zh-CN" altLang="en-US" sz="1800" dirty="0" smtClean="0">
-                <a:latin typeface="Arial" panose="020B0604020202020204" pitchFamily="34" charset="0"/>
-                <a:ea typeface="微软雅黑" panose="020B0503020204020204" pitchFamily="34" charset="-122"/>
-                <a:sym typeface="Arial" panose="020B0604020202020204" pitchFamily="34" charset="0"/>
-              </a:rPr>
-              <a:t>完善；</a:t>
-            </a:r>
-            <a:endParaRPr lang="zh-CN" altLang="en-US" sz="1800" dirty="0">
-              <a:latin typeface="Arial" panose="020B0604020202020204" pitchFamily="34" charset="0"/>
-              <a:ea typeface="微软雅黑" panose="020B0503020204020204" pitchFamily="34" charset="-122"/>
-              <a:sym typeface="Arial" panose="020B0604020202020204" pitchFamily="34" charset="0"/>
-            </a:endParaRPr>
+              <a:t>将预算和流程规定中描述不清晰的部分进行修改完善；</a:t>
+            </a:r>
           </a:p>
           <a:p>
             <a:pPr indent="457200">
@@ -6776,20 +6664,12 @@
               </a:lnSpc>
             </a:pPr>
             <a:r>
-              <a:rPr lang="zh-CN" altLang="en-US" sz="1800" dirty="0" smtClean="0">
-                <a:latin typeface="Arial" panose="020B0604020202020204" pitchFamily="34" charset="0"/>
-                <a:ea typeface="微软雅黑" panose="020B0503020204020204" pitchFamily="34" charset="-122"/>
-                <a:sym typeface="Arial" panose="020B0604020202020204" pitchFamily="34" charset="0"/>
-              </a:rPr>
-              <a:t>根据</a:t>
-            </a:r>
-            <a:r>
               <a:rPr lang="zh-CN" altLang="en-US" sz="1800" dirty="0">
                 <a:latin typeface="Arial" panose="020B0604020202020204" pitchFamily="34" charset="0"/>
                 <a:ea typeface="微软雅黑" panose="020B0503020204020204" pitchFamily="34" charset="-122"/>
                 <a:sym typeface="Arial" panose="020B0604020202020204" pitchFamily="34" charset="0"/>
               </a:rPr>
-              <a:t>标准规范文档严格执行财务流程，统计开发中的每笔收入支出。</a:t>
+              <a:t>根据标准规范文档严格执行财务流程，统计开发中的每笔收入支出。</a:t>
             </a:r>
           </a:p>
           <a:p>
@@ -6829,7 +6709,7 @@
           <a:lstStyle/>
           <a:p>
             <a:r>
-              <a:rPr lang="zh-CN" altLang="en-US" sz="2400" dirty="0" smtClean="0">
+              <a:rPr lang="zh-CN" altLang="en-US" sz="2400" dirty="0">
                 <a:latin typeface="Arial" panose="020B0604020202020204" pitchFamily="34" charset="0"/>
                 <a:ea typeface="微软雅黑" panose="020B0503020204020204" pitchFamily="34" charset="-122"/>
               </a:rPr>
@@ -6855,13 +6735,6 @@
   <p:transition spd="med">
     <p:pull/>
   </p:transition>
-  <p:timing>
-    <p:tnLst>
-      <p:par>
-        <p:cTn id="1" dur="indefinite" restart="never" nodeType="tmRoot"/>
-      </p:par>
-    </p:tnLst>
-  </p:timing>
 </p:sld>
 </file>
 
@@ -6987,7 +6860,7 @@
           <a:p>
             <a:pPr algn="ctr"/>
             <a:r>
-              <a:rPr lang="zh-CN" altLang="en-US" sz="2800" dirty="0" smtClean="0">
+              <a:rPr lang="zh-CN" altLang="en-US" sz="2800" dirty="0">
                 <a:solidFill>
                   <a:schemeClr val="bg1">
                     <a:lumMod val="50000"/>
@@ -7034,13 +6907,6 @@
       </p:transition>
     </mc:Fallback>
   </mc:AlternateContent>
-  <p:timing>
-    <p:tnLst>
-      <p:par>
-        <p:cTn id="1" dur="indefinite" restart="never" nodeType="tmRoot"/>
-      </p:par>
-    </p:tnLst>
-  </p:timing>
 </p:sld>
 </file>
 
@@ -7101,16 +6967,7 @@
                 <a:ea typeface="微软雅黑" panose="020B0503020204020204" pitchFamily="34" charset="-122"/>
                 <a:cs typeface="+mn-cs"/>
               </a:rPr>
-              <a:t>测试</a:t>
-            </a:r>
-            <a:r>
-              <a:rPr lang="zh-CN" altLang="en-US" sz="2400" b="0" dirty="0" smtClean="0">
-                <a:effectLst/>
-                <a:latin typeface="Arial" panose="020B0604020202020204" pitchFamily="34" charset="0"/>
-                <a:ea typeface="微软雅黑" panose="020B0503020204020204" pitchFamily="34" charset="-122"/>
-                <a:cs typeface="+mn-cs"/>
-              </a:rPr>
-              <a:t>人员主观感受</a:t>
+              <a:t>测试人员主观感受</a:t>
             </a:r>
             <a:r>
               <a:rPr lang="en-US" altLang="zh-CN" sz="2400" b="0" dirty="0">
@@ -7308,7 +7165,7 @@
           <a:p>
             <a:pPr algn="ctr"/>
             <a:r>
-              <a:rPr lang="zh-CN" altLang="en-US" sz="2800" dirty="0" smtClean="0">
+              <a:rPr lang="zh-CN" altLang="en-US" sz="2800" dirty="0">
                 <a:solidFill>
                   <a:schemeClr val="bg1">
                     <a:lumMod val="50000"/>
@@ -7355,13 +7212,6 @@
       </p:transition>
     </mc:Fallback>
   </mc:AlternateContent>
-  <p:timing>
-    <p:tnLst>
-      <p:par>
-        <p:cTn id="1" dur="indefinite" restart="never" nodeType="tmRoot"/>
-      </p:par>
-    </p:tnLst>
-  </p:timing>
 </p:sld>
 </file>
 
@@ -7551,7 +7401,7 @@
           <a:p>
             <a:pPr algn="ctr"/>
             <a:r>
-              <a:rPr lang="zh-CN" altLang="en-US" sz="2800" dirty="0" smtClean="0">
+              <a:rPr lang="zh-CN" altLang="en-US" sz="2800" dirty="0">
                 <a:solidFill>
                   <a:schemeClr val="bg1">
                     <a:lumMod val="50000"/>
@@ -7589,13 +7439,6 @@
   <p:transition spd="slow">
     <p:push dir="u"/>
   </p:transition>
-  <p:timing>
-    <p:tnLst>
-      <p:par>
-        <p:cTn id="1" dur="indefinite" restart="never" nodeType="tmRoot"/>
-      </p:par>
-    </p:tnLst>
-  </p:timing>
 </p:sld>
 </file>
 
@@ -7840,7 +7683,7 @@
           <a:p>
             <a:pPr algn="ctr"/>
             <a:r>
-              <a:rPr lang="zh-CN" altLang="en-US" sz="2800" dirty="0" smtClean="0">
+              <a:rPr lang="zh-CN" altLang="en-US" sz="2800" dirty="0">
                 <a:solidFill>
                   <a:schemeClr val="bg1">
                     <a:lumMod val="50000"/>
@@ -7878,13 +7721,6 @@
   <p:transition spd="med">
     <p:pull/>
   </p:transition>
-  <p:timing>
-    <p:tnLst>
-      <p:par>
-        <p:cTn id="1" dur="indefinite" restart="never" nodeType="tmRoot"/>
-      </p:par>
-    </p:tnLst>
-  </p:timing>
 </p:sld>
 </file>
 
@@ -7929,7 +7765,7 @@
           <a:p>
             <a:pPr algn="ctr"/>
             <a:r>
-              <a:rPr lang="zh-CN" altLang="en-US" sz="2800" dirty="0" smtClean="0">
+              <a:rPr lang="zh-CN" altLang="en-US" sz="2800" dirty="0">
                 <a:solidFill>
                   <a:schemeClr val="bg1">
                     <a:lumMod val="50000"/>
@@ -8000,13 +7836,6 @@
       </p:transition>
     </mc:Fallback>
   </mc:AlternateContent>
-  <p:timing>
-    <p:tnLst>
-      <p:par>
-        <p:cTn id="1" dur="indefinite" restart="never" nodeType="tmRoot"/>
-      </p:par>
-    </p:tnLst>
-  </p:timing>
 </p:sld>
 </file>
 
@@ -8051,7 +7880,7 @@
           <a:p>
             <a:pPr algn="ctr"/>
             <a:r>
-              <a:rPr lang="zh-CN" altLang="en-US" sz="2800" dirty="0" smtClean="0">
+              <a:rPr lang="zh-CN" altLang="en-US" sz="2800" dirty="0">
                 <a:solidFill>
                   <a:schemeClr val="bg1">
                     <a:lumMod val="50000"/>
@@ -8122,13 +7951,6 @@
       </p:transition>
     </mc:Fallback>
   </mc:AlternateContent>
-  <p:timing>
-    <p:tnLst>
-      <p:par>
-        <p:cTn id="1" dur="indefinite" restart="never" nodeType="tmRoot"/>
-      </p:par>
-    </p:tnLst>
-  </p:timing>
 </p:sld>
 </file>
 
@@ -9197,7 +9019,7 @@
           <a:p>
             <a:pPr algn="r"/>
             <a:r>
-              <a:rPr lang="zh-CN" altLang="en-US" sz="3200" dirty="0" smtClean="0">
+              <a:rPr lang="zh-CN" altLang="en-US" sz="3200" dirty="0">
                 <a:solidFill>
                   <a:schemeClr val="bg1"/>
                 </a:solidFill>
@@ -9246,7 +9068,7 @@
           <a:p>
             <a:pPr lvl="0"/>
             <a:r>
-              <a:rPr lang="zh-CN" altLang="en-US" sz="3200" dirty="0" smtClean="0">
+              <a:rPr lang="zh-CN" altLang="en-US" sz="3200" dirty="0">
                 <a:solidFill>
                   <a:schemeClr val="bg1"/>
                 </a:solidFill>
@@ -9295,7 +9117,7 @@
           <a:p>
             <a:pPr lvl="0" algn="r"/>
             <a:r>
-              <a:rPr lang="zh-CN" altLang="en-US" sz="3200" dirty="0" smtClean="0">
+              <a:rPr lang="zh-CN" altLang="en-US" sz="3200" dirty="0">
                 <a:solidFill>
                   <a:schemeClr val="bg1"/>
                 </a:solidFill>
@@ -9482,13 +9304,6 @@
       </p:transition>
     </mc:Fallback>
   </mc:AlternateContent>
-  <p:timing>
-    <p:tnLst>
-      <p:par>
-        <p:cTn id="1" dur="indefinite" restart="never" nodeType="tmRoot"/>
-      </p:par>
-    </p:tnLst>
-  </p:timing>
 </p:sld>
 </file>
 
@@ -9533,7 +9348,7 @@
           <a:p>
             <a:pPr algn="ctr"/>
             <a:r>
-              <a:rPr lang="zh-CN" altLang="en-US" sz="2800" dirty="0" smtClean="0">
+              <a:rPr lang="zh-CN" altLang="en-US" sz="2800" dirty="0">
                 <a:solidFill>
                   <a:schemeClr val="bg1">
                     <a:lumMod val="50000"/>
@@ -9604,13 +9419,6 @@
       </p:transition>
     </mc:Fallback>
   </mc:AlternateContent>
-  <p:timing>
-    <p:tnLst>
-      <p:par>
-        <p:cTn id="1" dur="indefinite" restart="never" nodeType="tmRoot"/>
-      </p:par>
-    </p:tnLst>
-  </p:timing>
 </p:sld>
 </file>
 
@@ -9665,20 +9473,7 @@
                 <a:ea typeface="微软雅黑" panose="020B0503020204020204" pitchFamily="34" charset="-122"/>
                 <a:sym typeface="Arial" panose="020B0604020202020204" pitchFamily="34" charset="0"/>
               </a:rPr>
-              <a:t>配置</a:t>
-            </a:r>
-            <a:r>
-              <a:rPr lang="zh-CN" altLang="en-US" sz="2800" dirty="0" smtClean="0">
-                <a:solidFill>
-                  <a:schemeClr val="bg1">
-                    <a:lumMod val="50000"/>
-                  </a:schemeClr>
-                </a:solidFill>
-                <a:latin typeface="Arial" panose="020B0604020202020204" pitchFamily="34" charset="0"/>
-                <a:ea typeface="微软雅黑" panose="020B0503020204020204" pitchFamily="34" charset="-122"/>
-                <a:sym typeface="Arial" panose="020B0604020202020204" pitchFamily="34" charset="0"/>
-              </a:rPr>
-              <a:t>管理</a:t>
+              <a:t>配置管理</a:t>
             </a:r>
             <a:endParaRPr lang="zh-CN" altLang="en-US" sz="3600" dirty="0">
               <a:solidFill>
@@ -9739,13 +9534,6 @@
       </p:transition>
     </mc:Fallback>
   </mc:AlternateContent>
-  <p:timing>
-    <p:tnLst>
-      <p:par>
-        <p:cTn id="1" dur="indefinite" restart="never" nodeType="tmRoot"/>
-      </p:par>
-    </p:tnLst>
-  </p:timing>
 </p:sld>
 </file>
 
@@ -9800,20 +9588,7 @@
                 <a:ea typeface="微软雅黑" panose="020B0503020204020204" pitchFamily="34" charset="-122"/>
                 <a:sym typeface="Arial" panose="020B0604020202020204" pitchFamily="34" charset="0"/>
               </a:rPr>
-              <a:t>配置</a:t>
-            </a:r>
-            <a:r>
-              <a:rPr lang="zh-CN" altLang="en-US" sz="2800" dirty="0" smtClean="0">
-                <a:solidFill>
-                  <a:schemeClr val="bg1">
-                    <a:lumMod val="50000"/>
-                  </a:schemeClr>
-                </a:solidFill>
-                <a:latin typeface="Arial" panose="020B0604020202020204" pitchFamily="34" charset="0"/>
-                <a:ea typeface="微软雅黑" panose="020B0503020204020204" pitchFamily="34" charset="-122"/>
-                <a:sym typeface="Arial" panose="020B0604020202020204" pitchFamily="34" charset="0"/>
-              </a:rPr>
-              <a:t>管理</a:t>
+              <a:t>配置管理</a:t>
             </a:r>
             <a:endParaRPr lang="zh-CN" altLang="en-US" sz="3600" dirty="0">
               <a:solidFill>
@@ -9874,13 +9649,6 @@
       </p:transition>
     </mc:Fallback>
   </mc:AlternateContent>
-  <p:timing>
-    <p:tnLst>
-      <p:par>
-        <p:cTn id="1" dur="indefinite" restart="never" nodeType="tmRoot"/>
-      </p:par>
-    </p:tnLst>
-  </p:timing>
 </p:sld>
 </file>
 
@@ -9935,20 +9703,7 @@
                 <a:ea typeface="微软雅黑" panose="020B0503020204020204" pitchFamily="34" charset="-122"/>
                 <a:sym typeface="Arial" panose="020B0604020202020204" pitchFamily="34" charset="0"/>
               </a:rPr>
-              <a:t>配置</a:t>
-            </a:r>
-            <a:r>
-              <a:rPr lang="zh-CN" altLang="en-US" sz="2800" dirty="0" smtClean="0">
-                <a:solidFill>
-                  <a:schemeClr val="bg1">
-                    <a:lumMod val="50000"/>
-                  </a:schemeClr>
-                </a:solidFill>
-                <a:latin typeface="Arial" panose="020B0604020202020204" pitchFamily="34" charset="0"/>
-                <a:ea typeface="微软雅黑" panose="020B0503020204020204" pitchFamily="34" charset="-122"/>
-                <a:sym typeface="Arial" panose="020B0604020202020204" pitchFamily="34" charset="0"/>
-              </a:rPr>
-              <a:t>管理</a:t>
+              <a:t>配置管理</a:t>
             </a:r>
             <a:endParaRPr lang="zh-CN" altLang="en-US" sz="3600" dirty="0">
               <a:solidFill>
@@ -10009,13 +9764,6 @@
       </p:transition>
     </mc:Fallback>
   </mc:AlternateContent>
-  <p:timing>
-    <p:tnLst>
-      <p:par>
-        <p:cTn id="1" dur="indefinite" restart="never" nodeType="tmRoot"/>
-      </p:par>
-    </p:tnLst>
-  </p:timing>
 </p:sld>
 </file>
 
@@ -10060,7 +9808,7 @@
           <a:p>
             <a:pPr algn="ctr"/>
             <a:r>
-              <a:rPr lang="zh-CN" altLang="en-US" sz="2800" dirty="0" smtClean="0">
+              <a:rPr lang="zh-CN" altLang="en-US" sz="2800" dirty="0">
                 <a:solidFill>
                   <a:schemeClr val="bg1">
                     <a:lumMod val="50000"/>
@@ -10224,14 +9972,14 @@
               </a:lnSpc>
             </a:pPr>
             <a:r>
-              <a:rPr lang="zh-CN" altLang="en-US" sz="2400" dirty="0" smtClean="0">
+              <a:rPr lang="zh-CN" altLang="en-US" sz="2400" dirty="0">
                 <a:latin typeface="Arial" panose="020B0604020202020204" pitchFamily="34" charset="0"/>
                 <a:ea typeface="微软雅黑" panose="020B0503020204020204" pitchFamily="34" charset="-122"/>
               </a:rPr>
               <a:t>所用工具：</a:t>
             </a:r>
             <a:r>
-              <a:rPr lang="en-US" altLang="zh-CN" sz="2400" dirty="0" smtClean="0">
+              <a:rPr lang="en-US" altLang="zh-CN" sz="2400" dirty="0">
                 <a:latin typeface="Arial" panose="020B0604020202020204" pitchFamily="34" charset="0"/>
                 <a:ea typeface="微软雅黑" panose="020B0503020204020204" pitchFamily="34" charset="-122"/>
               </a:rPr>
@@ -10404,20 +10152,12 @@
               </a:lnSpc>
             </a:pPr>
             <a:r>
-              <a:rPr lang="en-US" altLang="zh-CN" sz="1800" dirty="0" smtClean="0">
+              <a:rPr lang="en-US" altLang="zh-CN" sz="1800" dirty="0">
                 <a:latin typeface="Arial" panose="020B0604020202020204" pitchFamily="34" charset="0"/>
                 <a:ea typeface="微软雅黑" panose="020B0503020204020204" pitchFamily="34" charset="-122"/>
                 <a:sym typeface="Arial" panose="020B0604020202020204" pitchFamily="34" charset="0"/>
               </a:rPr>
               <a:t>SPSS</a:t>
-            </a:r>
-            <a:r>
-              <a:rPr lang="zh-CN" altLang="en-US" sz="1800" dirty="0" smtClean="0">
-                <a:latin typeface="Arial" panose="020B0604020202020204" pitchFamily="34" charset="0"/>
-                <a:ea typeface="微软雅黑" panose="020B0503020204020204" pitchFamily="34" charset="-122"/>
-                <a:sym typeface="Arial" panose="020B0604020202020204" pitchFamily="34" charset="0"/>
-              </a:rPr>
-              <a:t>，中文名称为“</a:t>
             </a:r>
             <a:r>
               <a:rPr lang="zh-CN" altLang="en-US" sz="1800" dirty="0">
@@ -10425,18 +10165,10 @@
                 <a:ea typeface="微软雅黑" panose="020B0503020204020204" pitchFamily="34" charset="-122"/>
                 <a:sym typeface="Arial" panose="020B0604020202020204" pitchFamily="34" charset="0"/>
               </a:rPr>
-              <a:t>统计产品与服务解决方案”</a:t>
-            </a:r>
-            <a:r>
-              <a:rPr lang="zh-CN" altLang="en-US" sz="1800" dirty="0" smtClean="0">
-                <a:latin typeface="Arial" panose="020B0604020202020204" pitchFamily="34" charset="0"/>
-                <a:ea typeface="微软雅黑" panose="020B0503020204020204" pitchFamily="34" charset="-122"/>
-                <a:sym typeface="Arial" panose="020B0604020202020204" pitchFamily="34" charset="0"/>
-              </a:rPr>
-              <a:t>软件，是</a:t>
-            </a:r>
-            <a:r>
-              <a:rPr lang="en-US" altLang="zh-CN" sz="1800" dirty="0" smtClean="0">
+              <a:t>，中文名称为“统计产品与服务解决方案”软件，是</a:t>
+            </a:r>
+            <a:r>
+              <a:rPr lang="en-US" altLang="zh-CN" sz="1800" dirty="0">
                 <a:latin typeface="Arial" panose="020B0604020202020204" pitchFamily="34" charset="0"/>
                 <a:ea typeface="微软雅黑" panose="020B0503020204020204" pitchFamily="34" charset="-122"/>
                 <a:sym typeface="Arial" panose="020B0604020202020204" pitchFamily="34" charset="0"/>
@@ -10481,15 +10213,15 @@
                 <a:ea typeface="微软雅黑" panose="020B0503020204020204" pitchFamily="34" charset="-122"/>
                 <a:sym typeface="Arial" panose="020B0604020202020204" pitchFamily="34" charset="0"/>
               </a:rPr>
-              <a:t>等版本</a:t>
-            </a:r>
-            <a:r>
-              <a:rPr lang="zh-CN" altLang="en-US" sz="1800" dirty="0" smtClean="0">
+              <a:t>等版本。它的分析结果清晰、直观、易学易用，而且可以直接读取</a:t>
+            </a:r>
+            <a:r>
+              <a:rPr lang="en-US" altLang="zh-CN" sz="1800" dirty="0">
                 <a:latin typeface="Arial" panose="020B0604020202020204" pitchFamily="34" charset="0"/>
                 <a:ea typeface="微软雅黑" panose="020B0503020204020204" pitchFamily="34" charset="-122"/>
                 <a:sym typeface="Arial" panose="020B0604020202020204" pitchFamily="34" charset="0"/>
               </a:rPr>
-              <a:t>。它的分析</a:t>
+              <a:t>EXCEL</a:t>
             </a:r>
             <a:r>
               <a:rPr lang="zh-CN" altLang="en-US" sz="1800" dirty="0">
@@ -10497,7 +10229,7 @@
                 <a:ea typeface="微软雅黑" panose="020B0503020204020204" pitchFamily="34" charset="-122"/>
                 <a:sym typeface="Arial" panose="020B0604020202020204" pitchFamily="34" charset="0"/>
               </a:rPr>
-              <a:t>结果清晰、直观、易学易用，而且可以直接读取</a:t>
+              <a:t>及</a:t>
             </a:r>
             <a:r>
               <a:rPr lang="en-US" altLang="zh-CN" sz="1800" dirty="0">
@@ -10505,7 +10237,7 @@
                 <a:ea typeface="微软雅黑" panose="020B0503020204020204" pitchFamily="34" charset="-122"/>
                 <a:sym typeface="Arial" panose="020B0604020202020204" pitchFamily="34" charset="0"/>
               </a:rPr>
-              <a:t>EXCEL</a:t>
+              <a:t>DBF</a:t>
             </a:r>
             <a:r>
               <a:rPr lang="zh-CN" altLang="en-US" sz="1800" dirty="0">
@@ -10513,7 +10245,7 @@
                 <a:ea typeface="微软雅黑" panose="020B0503020204020204" pitchFamily="34" charset="-122"/>
                 <a:sym typeface="Arial" panose="020B0604020202020204" pitchFamily="34" charset="0"/>
               </a:rPr>
-              <a:t>及</a:t>
+              <a:t>数据文件。世界上许多有影响的报刊杂志纷纷就</a:t>
             </a:r>
             <a:r>
               <a:rPr lang="en-US" altLang="zh-CN" sz="1800" dirty="0">
@@ -10521,7 +10253,7 @@
                 <a:ea typeface="微软雅黑" panose="020B0503020204020204" pitchFamily="34" charset="-122"/>
                 <a:sym typeface="Arial" panose="020B0604020202020204" pitchFamily="34" charset="0"/>
               </a:rPr>
-              <a:t>DBF</a:t>
+              <a:t>SPSS</a:t>
             </a:r>
             <a:r>
               <a:rPr lang="zh-CN" altLang="en-US" sz="1800" dirty="0">
@@ -10529,7 +10261,7 @@
                 <a:ea typeface="微软雅黑" panose="020B0503020204020204" pitchFamily="34" charset="-122"/>
                 <a:sym typeface="Arial" panose="020B0604020202020204" pitchFamily="34" charset="0"/>
               </a:rPr>
-              <a:t>数据文件。世界上许多有影响的报刊杂志纷纷就</a:t>
+              <a:t>的自动统计绘图、数据的深入分析、使用方便、功能齐全等方面给予了高度的评价。它和</a:t>
             </a:r>
             <a:r>
               <a:rPr lang="en-US" altLang="zh-CN" sz="1800" dirty="0">
@@ -10537,7 +10269,7 @@
                 <a:ea typeface="微软雅黑" panose="020B0503020204020204" pitchFamily="34" charset="-122"/>
                 <a:sym typeface="Arial" panose="020B0604020202020204" pitchFamily="34" charset="0"/>
               </a:rPr>
-              <a:t>SPSS</a:t>
+              <a:t>SAS</a:t>
             </a:r>
             <a:r>
               <a:rPr lang="zh-CN" altLang="en-US" sz="1800" dirty="0">
@@ -10545,7 +10277,7 @@
                 <a:ea typeface="微软雅黑" panose="020B0503020204020204" pitchFamily="34" charset="-122"/>
                 <a:sym typeface="Arial" panose="020B0604020202020204" pitchFamily="34" charset="0"/>
               </a:rPr>
-              <a:t>的自动统计绘图、数据的深入分析、使用方便、功能齐全等方面给予了高度的评价。它和</a:t>
+              <a:t>、</a:t>
             </a:r>
             <a:r>
               <a:rPr lang="en-US" altLang="zh-CN" sz="1800" dirty="0">
@@ -10553,7 +10285,7 @@
                 <a:ea typeface="微软雅黑" panose="020B0503020204020204" pitchFamily="34" charset="-122"/>
                 <a:sym typeface="Arial" panose="020B0604020202020204" pitchFamily="34" charset="0"/>
               </a:rPr>
-              <a:t>SAS</a:t>
+              <a:t>BMDP</a:t>
             </a:r>
             <a:r>
               <a:rPr lang="zh-CN" altLang="en-US" sz="1800" dirty="0">
@@ -10561,33 +10293,9 @@
                 <a:ea typeface="微软雅黑" panose="020B0503020204020204" pitchFamily="34" charset="-122"/>
                 <a:sym typeface="Arial" panose="020B0604020202020204" pitchFamily="34" charset="0"/>
               </a:rPr>
-              <a:t>、</a:t>
-            </a:r>
-            <a:r>
-              <a:rPr lang="en-US" altLang="zh-CN" sz="1800" dirty="0">
-                <a:latin typeface="Arial" panose="020B0604020202020204" pitchFamily="34" charset="0"/>
-                <a:ea typeface="微软雅黑" panose="020B0503020204020204" pitchFamily="34" charset="-122"/>
-                <a:sym typeface="Arial" panose="020B0604020202020204" pitchFamily="34" charset="0"/>
-              </a:rPr>
-              <a:t>BMDP</a:t>
-            </a:r>
-            <a:r>
-              <a:rPr lang="zh-CN" altLang="en-US" sz="1800" dirty="0">
-                <a:latin typeface="Arial" panose="020B0604020202020204" pitchFamily="34" charset="0"/>
-                <a:ea typeface="微软雅黑" panose="020B0503020204020204" pitchFamily="34" charset="-122"/>
-                <a:sym typeface="Arial" panose="020B0604020202020204" pitchFamily="34" charset="0"/>
-              </a:rPr>
-              <a:t>并称为国际上最有影响的三大统计软件</a:t>
-            </a:r>
-            <a:r>
-              <a:rPr lang="zh-CN" altLang="en-US" sz="1800" dirty="0" smtClean="0">
-                <a:latin typeface="Arial" panose="020B0604020202020204" pitchFamily="34" charset="0"/>
-                <a:ea typeface="微软雅黑" panose="020B0503020204020204" pitchFamily="34" charset="-122"/>
-                <a:sym typeface="Arial" panose="020B0604020202020204" pitchFamily="34" charset="0"/>
-              </a:rPr>
-              <a:t>。</a:t>
-            </a:r>
-            <a:endParaRPr lang="en-US" altLang="zh-CN" sz="1800" dirty="0" smtClean="0">
+              <a:t>并称为国际上最有影响的三大统计软件。</a:t>
+            </a:r>
+            <a:endParaRPr lang="en-US" altLang="zh-CN" sz="1800" dirty="0">
               <a:latin typeface="Arial" panose="020B0604020202020204" pitchFamily="34" charset="0"/>
               <a:ea typeface="微软雅黑" panose="020B0503020204020204" pitchFamily="34" charset="-122"/>
               <a:sym typeface="Arial" panose="020B0604020202020204" pitchFamily="34" charset="0"/>
@@ -10617,13 +10325,6 @@
       </p:transition>
     </mc:Fallback>
   </mc:AlternateContent>
-  <p:timing>
-    <p:tnLst>
-      <p:par>
-        <p:cTn id="1" dur="indefinite" restart="never" nodeType="tmRoot"/>
-      </p:par>
-    </p:tnLst>
-  </p:timing>
 </p:sld>
 </file>
 
@@ -10804,37 +10505,8 @@
                 <a:ea typeface="微软雅黑" panose="020B0503020204020204" pitchFamily="34" charset="-122"/>
                 <a:sym typeface="Arial" panose="020B0604020202020204" pitchFamily="34" charset="0"/>
               </a:rPr>
-              <a:t>工具对财务预算进行了统计和可视化图表的输出</a:t>
-            </a:r>
-            <a:r>
-              <a:rPr lang="zh-CN" altLang="en-US" sz="1800" dirty="0" smtClean="0">
-                <a:latin typeface="Arial" panose="020B0604020202020204" pitchFamily="34" charset="0"/>
-                <a:ea typeface="微软雅黑" panose="020B0503020204020204" pitchFamily="34" charset="-122"/>
-                <a:sym typeface="Arial" panose="020B0604020202020204" pitchFamily="34" charset="0"/>
-              </a:rPr>
-              <a:t>；并且</a:t>
-            </a:r>
-            <a:r>
-              <a:rPr lang="zh-CN" altLang="en-US" sz="1800" dirty="0">
-                <a:latin typeface="Arial" panose="020B0604020202020204" pitchFamily="34" charset="0"/>
-                <a:ea typeface="微软雅黑" panose="020B0503020204020204" pitchFamily="34" charset="-122"/>
-                <a:sym typeface="Arial" panose="020B0604020202020204" pitchFamily="34" charset="0"/>
-              </a:rPr>
-              <a:t>目前的各笔资金的实际使用也使用此工具进行</a:t>
-            </a:r>
-            <a:r>
-              <a:rPr lang="zh-CN" altLang="en-US" sz="1800" dirty="0" smtClean="0">
-                <a:latin typeface="Arial" panose="020B0604020202020204" pitchFamily="34" charset="0"/>
-                <a:ea typeface="微软雅黑" panose="020B0503020204020204" pitchFamily="34" charset="-122"/>
-                <a:sym typeface="Arial" panose="020B0604020202020204" pitchFamily="34" charset="0"/>
-              </a:rPr>
-              <a:t>统计。</a:t>
-            </a:r>
-            <a:endParaRPr lang="zh-CN" altLang="en-US" sz="1800" dirty="0">
-              <a:latin typeface="Arial" panose="020B0604020202020204" pitchFamily="34" charset="0"/>
-              <a:ea typeface="微软雅黑" panose="020B0503020204020204" pitchFamily="34" charset="-122"/>
-              <a:sym typeface="Arial" panose="020B0604020202020204" pitchFamily="34" charset="0"/>
-            </a:endParaRPr>
+              <a:t>工具对财务预算进行了统计和可视化图表的输出；并且目前的各笔资金的实际使用也使用此工具进行统计。</a:t>
+            </a:r>
           </a:p>
         </p:txBody>
       </p:sp>
@@ -10862,7 +10534,7 @@
           <a:p>
             <a:pPr algn="ctr"/>
             <a:r>
-              <a:rPr lang="zh-CN" altLang="en-US" sz="2800" dirty="0" smtClean="0">
+              <a:rPr lang="zh-CN" altLang="en-US" sz="2800" dirty="0">
                 <a:solidFill>
                   <a:schemeClr val="bg1">
                     <a:lumMod val="50000"/>
@@ -10909,13 +10581,6 @@
       </p:transition>
     </mc:Fallback>
   </mc:AlternateContent>
-  <p:timing>
-    <p:tnLst>
-      <p:par>
-        <p:cTn id="1" dur="indefinite" restart="never" nodeType="tmRoot"/>
-      </p:par>
-    </p:tnLst>
-  </p:timing>
 </p:sld>
 </file>
 
@@ -11128,13 +10793,6 @@
       </p:transition>
     </mc:Fallback>
   </mc:AlternateContent>
-  <p:timing>
-    <p:tnLst>
-      <p:par>
-        <p:cTn id="1" dur="indefinite" restart="never" nodeType="tmRoot"/>
-      </p:par>
-    </p:tnLst>
-  </p:timing>
 </p:sld>
 </file>
 
@@ -11347,13 +11005,6 @@
       </p:transition>
     </mc:Fallback>
   </mc:AlternateContent>
-  <p:timing>
-    <p:tnLst>
-      <p:par>
-        <p:cTn id="1" dur="indefinite" restart="never" nodeType="tmRoot"/>
-      </p:par>
-    </p:tnLst>
-  </p:timing>
 </p:sld>
 </file>
 
@@ -11580,13 +11231,6 @@
       </p:transition>
     </mc:Fallback>
   </mc:AlternateContent>
-  <p:timing>
-    <p:tnLst>
-      <p:par>
-        <p:cTn id="1" dur="indefinite" restart="never" nodeType="tmRoot"/>
-      </p:par>
-    </p:tnLst>
-  </p:timing>
 </p:sld>
 </file>
 
@@ -11813,13 +11457,6 @@
       </p:transition>
     </mc:Fallback>
   </mc:AlternateContent>
-  <p:timing>
-    <p:tnLst>
-      <p:par>
-        <p:cTn id="1" dur="indefinite" restart="never" nodeType="tmRoot"/>
-      </p:par>
-    </p:tnLst>
-  </p:timing>
 </p:sld>
 </file>
 
@@ -12219,7 +11856,7 @@
           <a:p>
             <a:pPr algn="ctr"/>
             <a:r>
-              <a:rPr lang="zh-CN" altLang="en-US" sz="3200" dirty="0" smtClean="0">
+              <a:rPr lang="zh-CN" altLang="en-US" sz="3200" dirty="0">
                 <a:solidFill>
                   <a:schemeClr val="bg1"/>
                 </a:solidFill>
@@ -12262,13 +11899,6 @@
       </p:transition>
     </mc:Fallback>
   </mc:AlternateContent>
-  <p:timing>
-    <p:tnLst>
-      <p:par>
-        <p:cTn id="1" dur="indefinite" restart="never" nodeType="tmRoot"/>
-      </p:par>
-    </p:tnLst>
-  </p:timing>
 </p:sld>
 </file>
 
@@ -12668,7 +12298,7 @@
           <a:p>
             <a:pPr algn="ctr"/>
             <a:r>
-              <a:rPr lang="zh-CN" altLang="en-US" sz="3200" dirty="0" smtClean="0">
+              <a:rPr lang="zh-CN" altLang="en-US" sz="3200" dirty="0">
                 <a:solidFill>
                   <a:schemeClr val="bg1"/>
                 </a:solidFill>
@@ -12711,13 +12341,6 @@
       </p:transition>
     </mc:Fallback>
   </mc:AlternateContent>
-  <p:timing>
-    <p:tnLst>
-      <p:par>
-        <p:cTn id="1" dur="indefinite" restart="never" nodeType="tmRoot"/>
-      </p:par>
-    </p:tnLst>
-  </p:timing>
 </p:sld>
 </file>
 
@@ -12877,14 +12500,14 @@
               </a:lnSpc>
             </a:pPr>
             <a:r>
-              <a:rPr lang="zh-CN" altLang="en-US" sz="2400" dirty="0" smtClean="0">
+              <a:rPr lang="zh-CN" altLang="en-US" sz="2400" dirty="0">
                 <a:latin typeface="Arial" panose="020B0604020202020204" pitchFamily="34" charset="0"/>
                 <a:ea typeface="微软雅黑" panose="020B0503020204020204" pitchFamily="34" charset="-122"/>
                 <a:sym typeface="Arial" panose="020B0604020202020204" pitchFamily="34" charset="0"/>
               </a:rPr>
               <a:t>项目进度问题</a:t>
             </a:r>
-            <a:endParaRPr lang="en-US" altLang="zh-CN" sz="2400" dirty="0" smtClean="0">
+            <a:endParaRPr lang="en-US" altLang="zh-CN" sz="2400" dirty="0">
               <a:latin typeface="Arial" panose="020B0604020202020204" pitchFamily="34" charset="0"/>
               <a:ea typeface="微软雅黑" panose="020B0503020204020204" pitchFamily="34" charset="-122"/>
               <a:sym typeface="Arial" panose="020B0604020202020204" pitchFamily="34" charset="0"/>
@@ -12897,14 +12520,14 @@
               </a:lnSpc>
             </a:pPr>
             <a:r>
-              <a:rPr lang="zh-CN" altLang="en-US" sz="1800" dirty="0" smtClean="0">
+              <a:rPr lang="zh-CN" altLang="en-US" sz="1800" dirty="0">
                 <a:latin typeface="Arial" panose="020B0604020202020204" pitchFamily="34" charset="0"/>
                 <a:ea typeface="微软雅黑" panose="020B0503020204020204" pitchFamily="34" charset="-122"/>
                 <a:sym typeface="Arial" panose="020B0604020202020204" pitchFamily="34" charset="0"/>
               </a:rPr>
               <a:t>功能点太多，代码量太大</a:t>
             </a:r>
-            <a:endParaRPr lang="en-US" altLang="zh-CN" sz="1800" dirty="0" smtClean="0">
+            <a:endParaRPr lang="en-US" altLang="zh-CN" sz="1800" dirty="0">
               <a:latin typeface="Arial" panose="020B0604020202020204" pitchFamily="34" charset="0"/>
               <a:ea typeface="微软雅黑" panose="020B0503020204020204" pitchFamily="34" charset="-122"/>
               <a:sym typeface="Arial" panose="020B0604020202020204" pitchFamily="34" charset="0"/>
@@ -12937,7 +12560,7 @@
               </a:lnSpc>
             </a:pPr>
             <a:r>
-              <a:rPr lang="en-US" altLang="zh-CN" sz="1800" dirty="0" err="1" smtClean="0">
+              <a:rPr lang="en-US" altLang="zh-CN" sz="1800" dirty="0" err="1">
                 <a:latin typeface="Arial" panose="020B0604020202020204" pitchFamily="34" charset="0"/>
                 <a:ea typeface="微软雅黑" panose="020B0503020204020204" pitchFamily="34" charset="-122"/>
                 <a:sym typeface="Arial" panose="020B0604020202020204" pitchFamily="34" charset="0"/>
@@ -12945,14 +12568,14 @@
               <a:t>Vue</a:t>
             </a:r>
             <a:r>
-              <a:rPr lang="zh-CN" altLang="en-US" sz="1800" dirty="0" smtClean="0">
+              <a:rPr lang="zh-CN" altLang="en-US" sz="1800" dirty="0">
                 <a:latin typeface="Arial" panose="020B0604020202020204" pitchFamily="34" charset="0"/>
                 <a:ea typeface="微软雅黑" panose="020B0503020204020204" pitchFamily="34" charset="-122"/>
                 <a:sym typeface="Arial" panose="020B0604020202020204" pitchFamily="34" charset="0"/>
               </a:rPr>
               <a:t>的跨域连接</a:t>
             </a:r>
-            <a:endParaRPr lang="en-US" altLang="zh-CN" sz="1800" dirty="0" smtClean="0">
+            <a:endParaRPr lang="en-US" altLang="zh-CN" sz="1800" dirty="0">
               <a:latin typeface="Arial" panose="020B0604020202020204" pitchFamily="34" charset="0"/>
               <a:ea typeface="微软雅黑" panose="020B0503020204020204" pitchFamily="34" charset="-122"/>
               <a:sym typeface="Arial" panose="020B0604020202020204" pitchFamily="34" charset="0"/>
@@ -12985,7 +12608,7 @@
               </a:lnSpc>
             </a:pPr>
             <a:r>
-              <a:rPr lang="en-US" altLang="zh-CN" sz="1800" dirty="0" smtClean="0">
+              <a:rPr lang="en-US" altLang="zh-CN" sz="1800" dirty="0">
                 <a:latin typeface="Arial" panose="020B0604020202020204" pitchFamily="34" charset="0"/>
                 <a:ea typeface="微软雅黑" panose="020B0503020204020204" pitchFamily="34" charset="-122"/>
                 <a:sym typeface="Arial" panose="020B0604020202020204" pitchFamily="34" charset="0"/>
@@ -12993,14 +12616,14 @@
               <a:t>Spring boot</a:t>
             </a:r>
             <a:r>
-              <a:rPr lang="zh-CN" altLang="en-US" sz="1800" dirty="0" smtClean="0">
+              <a:rPr lang="zh-CN" altLang="en-US" sz="1800" dirty="0">
                 <a:latin typeface="Arial" panose="020B0604020202020204" pitchFamily="34" charset="0"/>
                 <a:ea typeface="微软雅黑" panose="020B0503020204020204" pitchFamily="34" charset="-122"/>
                 <a:sym typeface="Arial" panose="020B0604020202020204" pitchFamily="34" charset="0"/>
               </a:rPr>
               <a:t>的事务管理</a:t>
             </a:r>
-            <a:endParaRPr lang="en-US" altLang="zh-CN" sz="1800" dirty="0" smtClean="0">
+            <a:endParaRPr lang="en-US" altLang="zh-CN" sz="1800" dirty="0">
               <a:latin typeface="Arial" panose="020B0604020202020204" pitchFamily="34" charset="0"/>
               <a:ea typeface="微软雅黑" panose="020B0503020204020204" pitchFamily="34" charset="-122"/>
               <a:sym typeface="Arial" panose="020B0604020202020204" pitchFamily="34" charset="0"/>
@@ -13032,7 +12655,7 @@
           <a:p>
             <a:pPr algn="ctr"/>
             <a:r>
-              <a:rPr lang="zh-CN" altLang="en-US" sz="2800" dirty="0" smtClean="0">
+              <a:rPr lang="zh-CN" altLang="en-US" sz="2800" dirty="0">
                 <a:solidFill>
                   <a:schemeClr val="bg1">
                     <a:lumMod val="50000"/>
@@ -13079,13 +12702,6 @@
       </p:transition>
     </mc:Fallback>
   </mc:AlternateContent>
-  <p:timing>
-    <p:tnLst>
-      <p:par>
-        <p:cTn id="1" dur="indefinite" restart="never" nodeType="tmRoot"/>
-      </p:par>
-    </p:tnLst>
-  </p:timing>
 </p:sld>
 </file>
 
@@ -13528,13 +13144,6 @@
       </p:transition>
     </mc:Fallback>
   </mc:AlternateContent>
-  <p:timing>
-    <p:tnLst>
-      <p:par>
-        <p:cTn id="1" dur="indefinite" restart="never" nodeType="tmRoot"/>
-      </p:par>
-    </p:tnLst>
-  </p:timing>
 </p:sld>
 </file>
 
@@ -13641,13 +13250,6 @@
   <p:transition spd="slow">
     <p:cover/>
   </p:transition>
-  <p:timing>
-    <p:tnLst>
-      <p:par>
-        <p:cTn id="1" dur="indefinite" restart="never" nodeType="tmRoot"/>
-      </p:par>
-    </p:tnLst>
-  </p:timing>
 </p:sld>
 </file>
 
@@ -15187,13 +14789,6 @@
       </p:transition>
     </mc:Fallback>
   </mc:AlternateContent>
-  <p:timing>
-    <p:tnLst>
-      <p:par>
-        <p:cTn id="1" dur="indefinite" restart="never" nodeType="tmRoot"/>
-      </p:par>
-    </p:tnLst>
-  </p:timing>
 </p:sld>
 </file>
 
@@ -15421,30 +15016,14 @@
               </a:lnSpc>
             </a:pPr>
             <a:r>
-              <a:rPr lang="zh-CN" altLang="en-US" sz="1800" dirty="0" smtClean="0">
-                <a:latin typeface="Arial" panose="020B0604020202020204" pitchFamily="34" charset="0"/>
-                <a:ea typeface="微软雅黑" panose="020B0503020204020204" pitchFamily="34" charset="-122"/>
-                <a:sym typeface="Arial" panose="020B0604020202020204" pitchFamily="34" charset="0"/>
-              </a:rPr>
-              <a:t>目前</a:t>
-            </a:r>
-            <a:r>
               <a:rPr lang="zh-CN" altLang="en-US" sz="1800" dirty="0">
                 <a:latin typeface="Arial" panose="020B0604020202020204" pitchFamily="34" charset="0"/>
                 <a:ea typeface="微软雅黑" panose="020B0503020204020204" pitchFamily="34" charset="-122"/>
                 <a:sym typeface="Arial" panose="020B0604020202020204" pitchFamily="34" charset="0"/>
               </a:rPr>
-              <a:t>已经完成需求和设计阶段，正式进入编码阶段</a:t>
-            </a:r>
-            <a:r>
-              <a:rPr lang="zh-CN" altLang="en-US" sz="1800" dirty="0" smtClean="0">
-                <a:latin typeface="Arial" panose="020B0604020202020204" pitchFamily="34" charset="0"/>
-                <a:ea typeface="微软雅黑" panose="020B0503020204020204" pitchFamily="34" charset="-122"/>
-                <a:sym typeface="Arial" panose="020B0604020202020204" pitchFamily="34" charset="0"/>
-              </a:rPr>
-              <a:t>。</a:t>
-            </a:r>
-            <a:endParaRPr lang="en-US" altLang="zh-CN" sz="1800" dirty="0" smtClean="0">
+              <a:t>目前已经完成需求和设计阶段，正式进入编码阶段。</a:t>
+            </a:r>
+            <a:endParaRPr lang="en-US" altLang="zh-CN" sz="1800" dirty="0">
               <a:latin typeface="Arial" panose="020B0604020202020204" pitchFamily="34" charset="0"/>
               <a:ea typeface="微软雅黑" panose="020B0503020204020204" pitchFamily="34" charset="-122"/>
               <a:sym typeface="Arial" panose="020B0604020202020204" pitchFamily="34" charset="0"/>
@@ -15457,20 +15036,12 @@
               </a:lnSpc>
             </a:pPr>
             <a:r>
-              <a:rPr lang="zh-CN" altLang="en-US" sz="1800" dirty="0" smtClean="0">
-                <a:latin typeface="Arial" panose="020B0604020202020204" pitchFamily="34" charset="0"/>
-                <a:ea typeface="微软雅黑" panose="020B0503020204020204" pitchFamily="34" charset="-122"/>
-                <a:sym typeface="Arial" panose="020B0604020202020204" pitchFamily="34" charset="0"/>
-              </a:rPr>
-              <a:t>在</a:t>
-            </a:r>
-            <a:r>
               <a:rPr lang="zh-CN" altLang="en-US" sz="1800" dirty="0">
                 <a:latin typeface="Arial" panose="020B0604020202020204" pitchFamily="34" charset="0"/>
                 <a:ea typeface="微软雅黑" panose="020B0503020204020204" pitchFamily="34" charset="-122"/>
                 <a:sym typeface="Arial" panose="020B0604020202020204" pitchFamily="34" charset="0"/>
               </a:rPr>
-              <a:t>数据库方面，数据库已经创建完成，已经建表和插入一些测试数据</a:t>
+              <a:t>在数据库方面，数据库已经创建完成，已经建表和插入一些测试数据</a:t>
             </a:r>
           </a:p>
           <a:p>
@@ -15480,20 +15051,12 @@
               </a:lnSpc>
             </a:pPr>
             <a:r>
-              <a:rPr lang="zh-CN" altLang="en-US" sz="1800" dirty="0" smtClean="0">
-                <a:latin typeface="Arial" panose="020B0604020202020204" pitchFamily="34" charset="0"/>
-                <a:ea typeface="微软雅黑" panose="020B0503020204020204" pitchFamily="34" charset="-122"/>
-                <a:sym typeface="Arial" panose="020B0604020202020204" pitchFamily="34" charset="0"/>
-              </a:rPr>
-              <a:t>在</a:t>
-            </a:r>
-            <a:r>
               <a:rPr lang="zh-CN" altLang="en-US" sz="1800" dirty="0">
                 <a:latin typeface="Arial" panose="020B0604020202020204" pitchFamily="34" charset="0"/>
                 <a:ea typeface="微软雅黑" panose="020B0503020204020204" pitchFamily="34" charset="-122"/>
                 <a:sym typeface="Arial" panose="020B0604020202020204" pitchFamily="34" charset="0"/>
               </a:rPr>
-              <a:t>后端方面，已完成管理员的信息管理功能和用户管理的主要内容。剩下的任务预估会在两天内可以完成。</a:t>
+              <a:t>在后端方面，已完成管理员的信息管理功能和用户管理的主要内容。剩下的任务预估会在两天内可以完成。</a:t>
             </a:r>
           </a:p>
           <a:p>
@@ -15518,34 +15081,13 @@
               </a:lnSpc>
             </a:pPr>
             <a:r>
-              <a:rPr lang="zh-CN" altLang="en-US" sz="1800" dirty="0" smtClean="0">
-                <a:latin typeface="Arial" panose="020B0604020202020204" pitchFamily="34" charset="0"/>
-                <a:ea typeface="微软雅黑" panose="020B0503020204020204" pitchFamily="34" charset="-122"/>
-                <a:sym typeface="Arial" panose="020B0604020202020204" pitchFamily="34" charset="0"/>
-              </a:rPr>
-              <a:t>在</a:t>
-            </a:r>
-            <a:r>
               <a:rPr lang="zh-CN" altLang="en-US" sz="1800" dirty="0">
                 <a:latin typeface="Arial" panose="020B0604020202020204" pitchFamily="34" charset="0"/>
                 <a:ea typeface="微软雅黑" panose="020B0503020204020204" pitchFamily="34" charset="-122"/>
                 <a:sym typeface="Arial" panose="020B0604020202020204" pitchFamily="34" charset="0"/>
               </a:rPr>
-              <a:t>测试方面，测试负责人已经完成了测试计划和测试方案，目前两个测试人员已经分别加入了前后端进行编码工作</a:t>
-            </a:r>
-            <a:r>
-              <a:rPr lang="zh-CN" altLang="en-US" sz="1800" dirty="0" smtClean="0">
-                <a:latin typeface="Arial" panose="020B0604020202020204" pitchFamily="34" charset="0"/>
-                <a:ea typeface="微软雅黑" panose="020B0503020204020204" pitchFamily="34" charset="-122"/>
-                <a:sym typeface="Arial" panose="020B0604020202020204" pitchFamily="34" charset="0"/>
-              </a:rPr>
-              <a:t>。</a:t>
-            </a:r>
-            <a:endParaRPr lang="zh-CN" altLang="en-US" sz="1800" dirty="0">
-              <a:latin typeface="Arial" panose="020B0604020202020204" pitchFamily="34" charset="0"/>
-              <a:ea typeface="微软雅黑" panose="020B0503020204020204" pitchFamily="34" charset="-122"/>
-              <a:sym typeface="Arial" panose="020B0604020202020204" pitchFamily="34" charset="0"/>
-            </a:endParaRPr>
+              <a:t>在测试方面，测试负责人已经完成了测试计划和测试方案，目前两个测试人员已经分别加入了前后端进行编码工作。</a:t>
+            </a:r>
           </a:p>
         </p:txBody>
       </p:sp>
@@ -15572,7 +15114,7 @@
           <a:lstStyle/>
           <a:p>
             <a:r>
-              <a:rPr lang="zh-CN" altLang="en-US" sz="2400" dirty="0" smtClean="0">
+              <a:rPr lang="zh-CN" altLang="en-US" sz="2400" dirty="0">
                 <a:latin typeface="Arial" panose="020B0604020202020204" pitchFamily="34" charset="0"/>
                 <a:ea typeface="微软雅黑" panose="020B0503020204020204" pitchFamily="34" charset="-122"/>
               </a:rPr>
@@ -15598,13 +15140,6 @@
   <p:transition spd="med">
     <p:pull/>
   </p:transition>
-  <p:timing>
-    <p:tnLst>
-      <p:par>
-        <p:cTn id="1" dur="indefinite" restart="never" nodeType="tmRoot"/>
-      </p:par>
-    </p:tnLst>
-  </p:timing>
 </p:sld>
 </file>
 
@@ -15827,18 +15362,11 @@
               </a:lnSpc>
             </a:pPr>
             <a:r>
-              <a:rPr lang="zh-CN" altLang="en-US" sz="1800" dirty="0" smtClean="0">
-                <a:latin typeface="Arial" panose="020B0604020202020204" pitchFamily="34" charset="0"/>
-                <a:ea typeface="微软雅黑" panose="020B0503020204020204" pitchFamily="34" charset="-122"/>
-              </a:rPr>
-              <a:t>接下来</a:t>
-            </a:r>
-            <a:r>
               <a:rPr lang="zh-CN" altLang="en-US" sz="1800" dirty="0">
                 <a:latin typeface="Arial" panose="020B0604020202020204" pitchFamily="34" charset="0"/>
                 <a:ea typeface="微软雅黑" panose="020B0503020204020204" pitchFamily="34" charset="-122"/>
               </a:rPr>
-              <a:t>的计划就是各个代码小组继续完成其负责的代码编写工作；</a:t>
+              <a:t>接下来的计划就是各个代码小组继续完成其负责的代码编写工作；</a:t>
             </a:r>
           </a:p>
           <a:p>
@@ -15848,18 +15376,11 @@
               </a:lnSpc>
             </a:pPr>
             <a:r>
-              <a:rPr lang="zh-CN" altLang="en-US" sz="1800" dirty="0" smtClean="0">
-                <a:latin typeface="Arial" panose="020B0604020202020204" pitchFamily="34" charset="0"/>
-                <a:ea typeface="微软雅黑" panose="020B0503020204020204" pitchFamily="34" charset="-122"/>
-              </a:rPr>
-              <a:t>比较</a:t>
-            </a:r>
-            <a:r>
               <a:rPr lang="zh-CN" altLang="en-US" sz="1800" dirty="0">
                 <a:latin typeface="Arial" panose="020B0604020202020204" pitchFamily="34" charset="0"/>
                 <a:ea typeface="微软雅黑" panose="020B0503020204020204" pitchFamily="34" charset="-122"/>
               </a:rPr>
-              <a:t>需要关注的是前端的任务进度，他们的工作是最多的，是整个项目的关键路径，可以在后面考虑添加人手；</a:t>
+              <a:t>比较需要关注的是前端的任务进度，他们的工作是最多的，是整个项目的关键路径，可以在后面考虑添加人手；</a:t>
             </a:r>
           </a:p>
           <a:p>
@@ -15869,7 +15390,7 @@
               </a:lnSpc>
             </a:pPr>
             <a:r>
-              <a:rPr lang="zh-CN" altLang="en-US" sz="1800" dirty="0" smtClean="0">
+              <a:rPr lang="zh-CN" altLang="en-US" sz="1800" dirty="0">
                 <a:latin typeface="Arial" panose="020B0604020202020204" pitchFamily="34" charset="0"/>
                 <a:ea typeface="微软雅黑" panose="020B0503020204020204" pitchFamily="34" charset="-122"/>
               </a:rPr>
@@ -15929,7 +15450,7 @@
           <a:lstStyle/>
           <a:p>
             <a:r>
-              <a:rPr lang="zh-CN" altLang="en-US" sz="2400" dirty="0" smtClean="0">
+              <a:rPr lang="zh-CN" altLang="en-US" sz="2400" dirty="0">
                 <a:latin typeface="Arial" panose="020B0604020202020204" pitchFamily="34" charset="0"/>
                 <a:ea typeface="微软雅黑" panose="020B0503020204020204" pitchFamily="34" charset="-122"/>
               </a:rPr>
@@ -15955,13 +15476,6 @@
   <p:transition spd="med">
     <p:pull/>
   </p:transition>
-  <p:timing>
-    <p:tnLst>
-      <p:par>
-        <p:cTn id="1" dur="indefinite" restart="never" nodeType="tmRoot"/>
-      </p:par>
-    </p:tnLst>
-  </p:timing>
 </p:sld>
 </file>
 
@@ -16185,20 +15699,12 @@
               </a:lnSpc>
             </a:pPr>
             <a:r>
-              <a:rPr lang="zh-CN" altLang="en-US" sz="1800" dirty="0" smtClean="0">
-                <a:latin typeface="Arial" panose="020B0604020202020204" pitchFamily="34" charset="0"/>
-                <a:ea typeface="微软雅黑" panose="020B0503020204020204" pitchFamily="34" charset="-122"/>
-                <a:sym typeface="Arial" panose="020B0604020202020204" pitchFamily="34" charset="0"/>
-              </a:rPr>
-              <a:t>需求</a:t>
-            </a:r>
-            <a:r>
               <a:rPr lang="zh-CN" altLang="en-US" sz="1800" dirty="0">
                 <a:latin typeface="Arial" panose="020B0604020202020204" pitchFamily="34" charset="0"/>
                 <a:ea typeface="微软雅黑" panose="020B0503020204020204" pitchFamily="34" charset="-122"/>
                 <a:sym typeface="Arial" panose="020B0604020202020204" pitchFamily="34" charset="0"/>
               </a:rPr>
-              <a:t>设计阶段已经结束，需求规格文档等也已完成。</a:t>
+              <a:t>需求设计阶段已经结束，需求规格文档等也已完成。</a:t>
             </a:r>
           </a:p>
           <a:p>
@@ -16223,20 +15729,12 @@
               </a:lnSpc>
             </a:pPr>
             <a:r>
-              <a:rPr lang="zh-CN" altLang="en-US" sz="1800" dirty="0" smtClean="0">
-                <a:latin typeface="Arial" panose="020B0604020202020204" pitchFamily="34" charset="0"/>
-                <a:ea typeface="微软雅黑" panose="020B0503020204020204" pitchFamily="34" charset="-122"/>
-                <a:sym typeface="Arial" panose="020B0604020202020204" pitchFamily="34" charset="0"/>
-              </a:rPr>
-              <a:t>帮助</a:t>
-            </a:r>
-            <a:r>
               <a:rPr lang="zh-CN" altLang="en-US" sz="1800" dirty="0">
                 <a:latin typeface="Arial" panose="020B0604020202020204" pitchFamily="34" charset="0"/>
                 <a:ea typeface="微软雅黑" panose="020B0503020204020204" pitchFamily="34" charset="-122"/>
                 <a:sym typeface="Arial" panose="020B0604020202020204" pitchFamily="34" charset="0"/>
               </a:rPr>
-              <a:t>开发人员解决需求上的困惑。</a:t>
+              <a:t>帮助开发人员解决需求上的困惑。</a:t>
             </a:r>
           </a:p>
         </p:txBody>
@@ -16264,7 +15762,7 @@
           <a:lstStyle/>
           <a:p>
             <a:r>
-              <a:rPr lang="zh-CN" altLang="en-US" sz="2400" dirty="0" smtClean="0">
+              <a:rPr lang="zh-CN" altLang="en-US" sz="2400" dirty="0">
                 <a:latin typeface="Arial" panose="020B0604020202020204" pitchFamily="34" charset="0"/>
                 <a:ea typeface="微软雅黑" panose="020B0503020204020204" pitchFamily="34" charset="-122"/>
               </a:rPr>
@@ -16290,13 +15788,6 @@
   <p:transition spd="med">
     <p:pull/>
   </p:transition>
-  <p:timing>
-    <p:tnLst>
-      <p:par>
-        <p:cTn id="1" dur="indefinite" restart="never" nodeType="tmRoot"/>
-      </p:par>
-    </p:tnLst>
-  </p:timing>
 </p:sld>
 </file>
 
@@ -16520,20 +16011,12 @@
               </a:lnSpc>
             </a:pPr>
             <a:r>
-              <a:rPr lang="zh-CN" altLang="en-US" sz="1800" dirty="0" smtClean="0">
-                <a:latin typeface="Arial" panose="020B0604020202020204" pitchFamily="34" charset="0"/>
-                <a:ea typeface="微软雅黑" panose="020B0503020204020204" pitchFamily="34" charset="-122"/>
-                <a:sym typeface="Arial" panose="020B0604020202020204" pitchFamily="34" charset="0"/>
-              </a:rPr>
-              <a:t>目前</a:t>
-            </a:r>
-            <a:r>
               <a:rPr lang="zh-CN" altLang="en-US" sz="1800" dirty="0">
                 <a:latin typeface="Arial" panose="020B0604020202020204" pitchFamily="34" charset="0"/>
                 <a:ea typeface="微软雅黑" panose="020B0503020204020204" pitchFamily="34" charset="-122"/>
                 <a:sym typeface="Arial" panose="020B0604020202020204" pitchFamily="34" charset="0"/>
               </a:rPr>
-              <a:t>已经完成了数据库的建表工作。 </a:t>
+              <a:t>目前已经完成了数据库的建表工作。 </a:t>
             </a:r>
           </a:p>
           <a:p>
@@ -16558,20 +16041,12 @@
               </a:lnSpc>
             </a:pPr>
             <a:r>
-              <a:rPr lang="zh-CN" altLang="en-US" sz="1800" dirty="0" smtClean="0">
-                <a:latin typeface="Arial" panose="020B0604020202020204" pitchFamily="34" charset="0"/>
-                <a:ea typeface="微软雅黑" panose="020B0503020204020204" pitchFamily="34" charset="-122"/>
-                <a:sym typeface="Arial" panose="020B0604020202020204" pitchFamily="34" charset="0"/>
-              </a:rPr>
-              <a:t>继续</a:t>
-            </a:r>
-            <a:r>
               <a:rPr lang="zh-CN" altLang="en-US" sz="1800" dirty="0">
                 <a:latin typeface="Arial" panose="020B0604020202020204" pitchFamily="34" charset="0"/>
                 <a:ea typeface="微软雅黑" panose="020B0503020204020204" pitchFamily="34" charset="-122"/>
                 <a:sym typeface="Arial" panose="020B0604020202020204" pitchFamily="34" charset="0"/>
               </a:rPr>
-              <a:t>插入一些测试数据并配合开发人员添加系统所需的存储过程。</a:t>
+              <a:t>继续插入一些测试数据并配合开发人员添加系统所需的存储过程。</a:t>
             </a:r>
           </a:p>
         </p:txBody>
@@ -16599,7 +16074,7 @@
           <a:lstStyle/>
           <a:p>
             <a:r>
-              <a:rPr lang="zh-CN" altLang="en-US" sz="2400" dirty="0" smtClean="0">
+              <a:rPr lang="zh-CN" altLang="en-US" sz="2400" dirty="0">
                 <a:latin typeface="Arial" panose="020B0604020202020204" pitchFamily="34" charset="0"/>
                 <a:ea typeface="微软雅黑" panose="020B0503020204020204" pitchFamily="34" charset="-122"/>
               </a:rPr>
@@ -16625,13 +16100,6 @@
   <p:transition spd="med">
     <p:pull/>
   </p:transition>
-  <p:timing>
-    <p:tnLst>
-      <p:par>
-        <p:cTn id="1" dur="indefinite" restart="never" nodeType="tmRoot"/>
-      </p:par>
-    </p:tnLst>
-  </p:timing>
 </p:sld>
 </file>
 
@@ -16855,20 +16323,12 @@
               </a:lnSpc>
             </a:pPr>
             <a:r>
-              <a:rPr lang="zh-CN" altLang="en-US" sz="1800" dirty="0" smtClean="0">
-                <a:latin typeface="Arial" panose="020B0604020202020204" pitchFamily="34" charset="0"/>
-                <a:ea typeface="微软雅黑" panose="020B0503020204020204" pitchFamily="34" charset="-122"/>
-                <a:sym typeface="Arial" panose="020B0604020202020204" pitchFamily="34" charset="0"/>
-              </a:rPr>
-              <a:t>所有</a:t>
-            </a:r>
-            <a:r>
               <a:rPr lang="zh-CN" altLang="en-US" sz="1800" dirty="0">
                 <a:latin typeface="Arial" panose="020B0604020202020204" pitchFamily="34" charset="0"/>
                 <a:ea typeface="微软雅黑" panose="020B0503020204020204" pitchFamily="34" charset="-122"/>
                 <a:sym typeface="Arial" panose="020B0604020202020204" pitchFamily="34" charset="0"/>
               </a:rPr>
-              <a:t>界面框架完成。剩下的工作就是修改展示的数据内容以及调用后端的接口。</a:t>
+              <a:t>所有界面框架完成。剩下的工作就是修改展示的数据内容以及调用后端的接口。</a:t>
             </a:r>
           </a:p>
           <a:p>
@@ -16893,34 +16353,13 @@
               </a:lnSpc>
             </a:pPr>
             <a:r>
-              <a:rPr lang="zh-CN" altLang="en-US" sz="1800" dirty="0" smtClean="0">
-                <a:latin typeface="Arial" panose="020B0604020202020204" pitchFamily="34" charset="0"/>
-                <a:ea typeface="微软雅黑" panose="020B0503020204020204" pitchFamily="34" charset="-122"/>
-                <a:sym typeface="Arial" panose="020B0604020202020204" pitchFamily="34" charset="0"/>
-              </a:rPr>
-              <a:t>调用</a:t>
-            </a:r>
-            <a:r>
               <a:rPr lang="zh-CN" altLang="en-US" sz="1800" dirty="0">
                 <a:latin typeface="Arial" panose="020B0604020202020204" pitchFamily="34" charset="0"/>
                 <a:ea typeface="微软雅黑" panose="020B0503020204020204" pitchFamily="34" charset="-122"/>
                 <a:sym typeface="Arial" panose="020B0604020202020204" pitchFamily="34" charset="0"/>
               </a:rPr>
-              <a:t>后端的接口，完成全部的数据展示和处理</a:t>
-            </a:r>
-            <a:r>
-              <a:rPr lang="zh-CN" altLang="en-US" sz="1800" dirty="0" smtClean="0">
-                <a:latin typeface="Arial" panose="020B0604020202020204" pitchFamily="34" charset="0"/>
-                <a:ea typeface="微软雅黑" panose="020B0503020204020204" pitchFamily="34" charset="-122"/>
-                <a:sym typeface="Arial" panose="020B0604020202020204" pitchFamily="34" charset="0"/>
-              </a:rPr>
-              <a:t>。</a:t>
-            </a:r>
-            <a:endParaRPr lang="zh-CN" altLang="en-US" sz="1800" dirty="0">
-              <a:latin typeface="Arial" panose="020B0604020202020204" pitchFamily="34" charset="0"/>
-              <a:ea typeface="微软雅黑" panose="020B0503020204020204" pitchFamily="34" charset="-122"/>
-              <a:sym typeface="Arial" panose="020B0604020202020204" pitchFamily="34" charset="0"/>
-            </a:endParaRPr>
+              <a:t>调用后端的接口，完成全部的数据展示和处理。</a:t>
+            </a:r>
           </a:p>
         </p:txBody>
       </p:sp>
@@ -16947,7 +16386,7 @@
           <a:lstStyle/>
           <a:p>
             <a:r>
-              <a:rPr lang="zh-CN" altLang="en-US" sz="2400" dirty="0" smtClean="0">
+              <a:rPr lang="zh-CN" altLang="en-US" sz="2400" dirty="0">
                 <a:latin typeface="Arial" panose="020B0604020202020204" pitchFamily="34" charset="0"/>
                 <a:ea typeface="微软雅黑" panose="020B0503020204020204" pitchFamily="34" charset="-122"/>
               </a:rPr>
@@ -16973,13 +16412,6 @@
   <p:transition spd="med">
     <p:pull/>
   </p:transition>
-  <p:timing>
-    <p:tnLst>
-      <p:par>
-        <p:cTn id="1" dur="indefinite" restart="never" nodeType="tmRoot"/>
-      </p:par>
-    </p:tnLst>
-  </p:timing>
 </p:sld>
 </file>
 
